--- a/GamesWorld.pptx
+++ b/GamesWorld.pptx
@@ -848,7 +848,7 @@
             <a:fld id="{B61BEF0D-F0BB-DE4B-95CE-6DB70DBA9567}" type="datetimeFigureOut">
               <a:rPr lang="en-US" dirty="0"/>
               <a:pPr/>
-              <a:t>9/11/2017</a:t>
+              <a:t>9/12/2017</a:t>
             </a:fld>
             <a:endParaRPr lang="en-US" dirty="0"/>
           </a:p>
@@ -1096,7 +1096,7 @@
             <a:fld id="{B61BEF0D-F0BB-DE4B-95CE-6DB70DBA9567}" type="datetimeFigureOut">
               <a:rPr lang="en-US" dirty="0"/>
               <a:pPr/>
-              <a:t>9/11/2017</a:t>
+              <a:t>9/12/2017</a:t>
             </a:fld>
             <a:endParaRPr lang="en-US" dirty="0"/>
           </a:p>
@@ -1407,7 +1407,7 @@
             <a:fld id="{B61BEF0D-F0BB-DE4B-95CE-6DB70DBA9567}" type="datetimeFigureOut">
               <a:rPr lang="en-US" dirty="0"/>
               <a:pPr/>
-              <a:t>9/11/2017</a:t>
+              <a:t>9/12/2017</a:t>
             </a:fld>
             <a:endParaRPr lang="en-US" dirty="0"/>
           </a:p>
@@ -1745,7 +1745,7 @@
             <a:fld id="{B61BEF0D-F0BB-DE4B-95CE-6DB70DBA9567}" type="datetimeFigureOut">
               <a:rPr lang="en-US" dirty="0"/>
               <a:pPr/>
-              <a:t>9/11/2017</a:t>
+              <a:t>9/12/2017</a:t>
             </a:fld>
             <a:endParaRPr lang="en-US" dirty="0"/>
           </a:p>
@@ -2056,7 +2056,7 @@
             <a:fld id="{B61BEF0D-F0BB-DE4B-95CE-6DB70DBA9567}" type="datetimeFigureOut">
               <a:rPr lang="en-US" dirty="0"/>
               <a:pPr/>
-              <a:t>9/11/2017</a:t>
+              <a:t>9/12/2017</a:t>
             </a:fld>
             <a:endParaRPr lang="en-US" dirty="0"/>
           </a:p>
@@ -2446,7 +2446,7 @@
             <a:fld id="{B61BEF0D-F0BB-DE4B-95CE-6DB70DBA9567}" type="datetimeFigureOut">
               <a:rPr lang="en-US" dirty="0"/>
               <a:pPr/>
-              <a:t>9/11/2017</a:t>
+              <a:t>9/12/2017</a:t>
             </a:fld>
             <a:endParaRPr lang="en-US" dirty="0"/>
           </a:p>
@@ -2612,7 +2612,7 @@
           <a:p>
             <a:fld id="{55C6B4A9-1611-4792-9094-5F34BCA07E0B}" type="datetimeFigureOut">
               <a:rPr lang="en-US" dirty="0"/>
-              <a:t>9/11/2017</a:t>
+              <a:t>9/12/2017</a:t>
             </a:fld>
             <a:endParaRPr lang="en-US" dirty="0"/>
           </a:p>
@@ -2788,7 +2788,7 @@
             <a:fld id="{B61BEF0D-F0BB-DE4B-95CE-6DB70DBA9567}" type="datetimeFigureOut">
               <a:rPr lang="en-US" dirty="0"/>
               <a:pPr/>
-              <a:t>9/11/2017</a:t>
+              <a:t>9/12/2017</a:t>
             </a:fld>
             <a:endParaRPr lang="en-US" dirty="0"/>
           </a:p>
@@ -2961,7 +2961,7 @@
             <a:fld id="{B61BEF0D-F0BB-DE4B-95CE-6DB70DBA9567}" type="datetimeFigureOut">
               <a:rPr lang="en-US" dirty="0"/>
               <a:pPr/>
-              <a:t>9/11/2017</a:t>
+              <a:t>9/12/2017</a:t>
             </a:fld>
             <a:endParaRPr lang="en-US" dirty="0"/>
           </a:p>
@@ -3205,7 +3205,7 @@
             <a:fld id="{B61BEF0D-F0BB-DE4B-95CE-6DB70DBA9567}" type="datetimeFigureOut">
               <a:rPr lang="en-US" dirty="0"/>
               <a:pPr/>
-              <a:t>9/11/2017</a:t>
+              <a:t>9/12/2017</a:t>
             </a:fld>
             <a:endParaRPr lang="en-US" dirty="0"/>
           </a:p>
@@ -3433,7 +3433,7 @@
           <a:p>
             <a:fld id="{EB712588-04B1-427B-82EE-E8DB90309F08}" type="datetimeFigureOut">
               <a:rPr lang="en-US" dirty="0"/>
-              <a:t>9/11/2017</a:t>
+              <a:t>9/12/2017</a:t>
             </a:fld>
             <a:endParaRPr lang="en-US" dirty="0"/>
           </a:p>
@@ -3803,7 +3803,7 @@
             <a:fld id="{B61BEF0D-F0BB-DE4B-95CE-6DB70DBA9567}" type="datetimeFigureOut">
               <a:rPr lang="en-US" dirty="0"/>
               <a:pPr/>
-              <a:t>9/11/2017</a:t>
+              <a:t>9/12/2017</a:t>
             </a:fld>
             <a:endParaRPr lang="en-US" dirty="0"/>
           </a:p>
@@ -3923,7 +3923,7 @@
             <a:fld id="{B61BEF0D-F0BB-DE4B-95CE-6DB70DBA9567}" type="datetimeFigureOut">
               <a:rPr lang="en-US" dirty="0"/>
               <a:pPr/>
-              <a:t>9/11/2017</a:t>
+              <a:t>9/12/2017</a:t>
             </a:fld>
             <a:endParaRPr lang="en-US" dirty="0"/>
           </a:p>
@@ -4015,7 +4015,7 @@
             <a:fld id="{B61BEF0D-F0BB-DE4B-95CE-6DB70DBA9567}" type="datetimeFigureOut">
               <a:rPr lang="en-US" dirty="0"/>
               <a:pPr/>
-              <a:t>9/11/2017</a:t>
+              <a:t>9/12/2017</a:t>
             </a:fld>
             <a:endParaRPr lang="en-US" dirty="0"/>
           </a:p>
@@ -4266,7 +4266,7 @@
           <a:p>
             <a:fld id="{42A54C80-263E-416B-A8E0-580EDEADCBDC}" type="datetimeFigureOut">
               <a:rPr lang="en-US" dirty="0"/>
-              <a:t>9/11/2017</a:t>
+              <a:t>9/12/2017</a:t>
             </a:fld>
             <a:endParaRPr lang="en-US" dirty="0"/>
           </a:p>
@@ -4525,7 +4525,7 @@
             <a:fld id="{B61BEF0D-F0BB-DE4B-95CE-6DB70DBA9567}" type="datetimeFigureOut">
               <a:rPr lang="en-US" dirty="0"/>
               <a:pPr/>
-              <a:t>9/11/2017</a:t>
+              <a:t>9/12/2017</a:t>
             </a:fld>
             <a:endParaRPr lang="en-US" dirty="0"/>
           </a:p>
@@ -5265,7 +5265,7 @@
             <a:fld id="{B61BEF0D-F0BB-DE4B-95CE-6DB70DBA9567}" type="datetimeFigureOut">
               <a:rPr lang="en-US" dirty="0"/>
               <a:pPr/>
-              <a:t>9/11/2017</a:t>
+              <a:t>9/12/2017</a:t>
             </a:fld>
             <a:endParaRPr lang="en-US" dirty="0"/>
           </a:p>
@@ -5837,11 +5837,54 @@
           <a:p>
             <a:r>
               <a:rPr lang="en-US" dirty="0"/>
-              <a:t>single or multiplayer games website</a:t>
-            </a:r>
-          </a:p>
-        </p:txBody>
-      </p:sp>
+              <a:t>by the AP-</a:t>
+            </a:r>
+            <a:r>
+              <a:rPr lang="en-US" dirty="0" err="1"/>
+              <a:t>Einsteins</a:t>
+            </a:r>
+            <a:endParaRPr lang="en-US" dirty="0"/>
+          </a:p>
+        </p:txBody>
+      </p:sp>
+      <p:pic>
+        <p:nvPicPr>
+          <p:cNvPr id="5" name="Picture 4">
+            <a:extLst>
+              <a:ext uri="{FF2B5EF4-FFF2-40B4-BE49-F238E27FC236}">
+                <a16:creationId xmlns:a16="http://schemas.microsoft.com/office/drawing/2014/main" id="{A248894C-2A99-484D-B2EE-93D9659249F9}"/>
+              </a:ext>
+            </a:extLst>
+          </p:cNvPr>
+          <p:cNvPicPr>
+            <a:picLocks noChangeAspect="1"/>
+          </p:cNvPicPr>
+          <p:nvPr/>
+        </p:nvPicPr>
+        <p:blipFill>
+          <a:blip r:embed="rId2">
+            <a:duotone>
+              <a:schemeClr val="accent1">
+                <a:shade val="45000"/>
+                <a:satMod val="135000"/>
+              </a:schemeClr>
+              <a:prstClr val="white"/>
+            </a:duotone>
+          </a:blip>
+          <a:stretch>
+            <a:fillRect/>
+          </a:stretch>
+        </p:blipFill>
+        <p:spPr>
+          <a:xfrm>
+            <a:off x="956060" y="2404534"/>
+            <a:ext cx="3328424" cy="2488208"/>
+          </a:xfrm>
+          <a:prstGeom prst="rect">
+            <a:avLst/>
+          </a:prstGeom>
+        </p:spPr>
+      </p:pic>
     </p:spTree>
     <p:extLst>
       <p:ext uri="{BB962C8B-B14F-4D97-AF65-F5344CB8AC3E}">
@@ -6033,14 +6076,19 @@
             <p:ph type="title"/>
           </p:nvPr>
         </p:nvSpPr>
-        <p:spPr/>
+        <p:spPr>
+          <a:xfrm>
+            <a:off x="691473" y="595429"/>
+            <a:ext cx="8596668" cy="1320800"/>
+          </a:xfrm>
+        </p:spPr>
         <p:txBody>
           <a:bodyPr/>
           <a:lstStyle/>
           <a:p>
             <a:r>
               <a:rPr lang="en-US" dirty="0"/>
-              <a:t>The Creative Team</a:t>
+              <a:t>Meet the Creative Team</a:t>
             </a:r>
           </a:p>
         </p:txBody>
@@ -6069,18 +6117,365 @@
         </p:blipFill>
         <p:spPr>
           <a:xfrm>
-            <a:off x="770088" y="1930400"/>
-            <a:ext cx="2421938" cy="2632541"/>
+            <a:off x="1091420" y="1365464"/>
+            <a:ext cx="2503598" cy="2593794"/>
           </a:xfrm>
+          <a:prstGeom prst="ellipse">
+            <a:avLst/>
+          </a:prstGeom>
+          <a:ln>
+            <a:noFill/>
+          </a:ln>
           <a:effectLst>
-            <a:outerShdw blurRad="50800" dist="38100" algn="l" rotWithShape="0">
-              <a:prstClr val="black">
-                <a:alpha val="40000"/>
-              </a:prstClr>
+            <a:outerShdw blurRad="190500" dist="228600" dir="2700000" algn="ctr">
+              <a:srgbClr val="000000">
+                <a:alpha val="30000"/>
+              </a:srgbClr>
             </a:outerShdw>
+            <a:softEdge rad="112500"/>
           </a:effectLst>
+          <a:scene3d>
+            <a:camera prst="orthographicFront">
+              <a:rot lat="0" lon="0" rev="0"/>
+            </a:camera>
+            <a:lightRig rig="glow" dir="t">
+              <a:rot lat="0" lon="0" rev="4800000"/>
+            </a:lightRig>
+          </a:scene3d>
+          <a:sp3d prstMaterial="matte">
+            <a:bevelT w="127000" h="63500"/>
+          </a:sp3d>
         </p:spPr>
       </p:pic>
+      <p:pic>
+        <p:nvPicPr>
+          <p:cNvPr id="7" name="Picture 6">
+            <a:extLst>
+              <a:ext uri="{FF2B5EF4-FFF2-40B4-BE49-F238E27FC236}">
+                <a16:creationId xmlns:a16="http://schemas.microsoft.com/office/drawing/2014/main" id="{125F3CBB-E137-4897-B13E-E274502F3341}"/>
+              </a:ext>
+            </a:extLst>
+          </p:cNvPr>
+          <p:cNvPicPr>
+            <a:picLocks noChangeAspect="1"/>
+          </p:cNvPicPr>
+          <p:nvPr/>
+        </p:nvPicPr>
+        <p:blipFill>
+          <a:blip r:embed="rId3"/>
+          <a:stretch>
+            <a:fillRect/>
+          </a:stretch>
+        </p:blipFill>
+        <p:spPr>
+          <a:xfrm>
+            <a:off x="2710200" y="3685336"/>
+            <a:ext cx="2631627" cy="2631627"/>
+          </a:xfrm>
+          <a:prstGeom prst="ellipse">
+            <a:avLst/>
+          </a:prstGeom>
+          <a:ln>
+            <a:noFill/>
+          </a:ln>
+          <a:effectLst>
+            <a:outerShdw blurRad="190500" dist="228600" dir="2700000" algn="ctr">
+              <a:srgbClr val="000000">
+                <a:alpha val="30000"/>
+              </a:srgbClr>
+            </a:outerShdw>
+            <a:softEdge rad="112500"/>
+          </a:effectLst>
+          <a:scene3d>
+            <a:camera prst="orthographicFront">
+              <a:rot lat="0" lon="0" rev="0"/>
+            </a:camera>
+            <a:lightRig rig="glow" dir="t">
+              <a:rot lat="0" lon="0" rev="4800000"/>
+            </a:lightRig>
+          </a:scene3d>
+          <a:sp3d prstMaterial="matte">
+            <a:bevelT w="127000" h="63500"/>
+          </a:sp3d>
+        </p:spPr>
+      </p:pic>
+      <p:pic>
+        <p:nvPicPr>
+          <p:cNvPr id="9" name="Picture 8">
+            <a:extLst>
+              <a:ext uri="{FF2B5EF4-FFF2-40B4-BE49-F238E27FC236}">
+                <a16:creationId xmlns:a16="http://schemas.microsoft.com/office/drawing/2014/main" id="{A7343E52-519F-49A7-8EA8-E7E7B10D76B9}"/>
+              </a:ext>
+            </a:extLst>
+          </p:cNvPr>
+          <p:cNvPicPr>
+            <a:picLocks noChangeAspect="1"/>
+          </p:cNvPicPr>
+          <p:nvPr/>
+        </p:nvPicPr>
+        <p:blipFill>
+          <a:blip r:embed="rId4"/>
+          <a:stretch>
+            <a:fillRect/>
+          </a:stretch>
+        </p:blipFill>
+        <p:spPr>
+          <a:xfrm>
+            <a:off x="5804678" y="3735498"/>
+            <a:ext cx="2623457" cy="2623457"/>
+          </a:xfrm>
+          <a:prstGeom prst="ellipse">
+            <a:avLst/>
+          </a:prstGeom>
+          <a:ln>
+            <a:noFill/>
+          </a:ln>
+          <a:effectLst>
+            <a:outerShdw blurRad="190500" dist="228600" dir="2700000" algn="ctr">
+              <a:srgbClr val="000000">
+                <a:alpha val="30000"/>
+              </a:srgbClr>
+            </a:outerShdw>
+            <a:softEdge rad="112500"/>
+          </a:effectLst>
+          <a:scene3d>
+            <a:camera prst="orthographicFront">
+              <a:rot lat="0" lon="0" rev="0"/>
+            </a:camera>
+            <a:lightRig rig="glow" dir="t">
+              <a:rot lat="0" lon="0" rev="4800000"/>
+            </a:lightRig>
+          </a:scene3d>
+          <a:sp3d prstMaterial="matte">
+            <a:bevelT w="127000" h="63500"/>
+          </a:sp3d>
+        </p:spPr>
+      </p:pic>
+      <p:grpSp>
+        <p:nvGrpSpPr>
+          <p:cNvPr id="12" name="Group 11">
+            <a:extLst>
+              <a:ext uri="{FF2B5EF4-FFF2-40B4-BE49-F238E27FC236}">
+                <a16:creationId xmlns:a16="http://schemas.microsoft.com/office/drawing/2014/main" id="{D97C9ECE-4DB5-4E83-8FD1-12E6D6631B0E}"/>
+              </a:ext>
+            </a:extLst>
+          </p:cNvPr>
+          <p:cNvGrpSpPr/>
+          <p:nvPr/>
+        </p:nvGrpSpPr>
+        <p:grpSpPr>
+          <a:xfrm>
+            <a:off x="4301225" y="1417760"/>
+            <a:ext cx="2465614" cy="2638015"/>
+            <a:chOff x="4301225" y="1417760"/>
+            <a:chExt cx="2465614" cy="2638015"/>
+          </a:xfrm>
+        </p:grpSpPr>
+        <p:pic>
+          <p:nvPicPr>
+            <p:cNvPr id="4" name="Picture 3">
+              <a:extLst>
+                <a:ext uri="{FF2B5EF4-FFF2-40B4-BE49-F238E27FC236}">
+                  <a16:creationId xmlns:a16="http://schemas.microsoft.com/office/drawing/2014/main" id="{97397B4C-0896-4F18-B743-2ECFD0786597}"/>
+                </a:ext>
+              </a:extLst>
+            </p:cNvPr>
+            <p:cNvPicPr>
+              <a:picLocks noChangeAspect="1"/>
+            </p:cNvPicPr>
+            <p:nvPr/>
+          </p:nvPicPr>
+          <p:blipFill>
+            <a:blip r:embed="rId5"/>
+            <a:stretch>
+              <a:fillRect/>
+            </a:stretch>
+          </p:blipFill>
+          <p:spPr>
+            <a:xfrm>
+              <a:off x="4301225" y="1417760"/>
+              <a:ext cx="2465614" cy="2638015"/>
+            </a:xfrm>
+            <a:prstGeom prst="ellipse">
+              <a:avLst/>
+            </a:prstGeom>
+            <a:ln w="28575">
+              <a:noFill/>
+            </a:ln>
+            <a:effectLst>
+              <a:outerShdw blurRad="190500" dist="228600" dir="2700000" algn="ctr">
+                <a:srgbClr val="000000">
+                  <a:alpha val="30000"/>
+                </a:srgbClr>
+              </a:outerShdw>
+              <a:softEdge rad="112500"/>
+            </a:effectLst>
+            <a:scene3d>
+              <a:camera prst="orthographicFront">
+                <a:rot lat="0" lon="0" rev="0"/>
+              </a:camera>
+              <a:lightRig rig="glow" dir="t">
+                <a:rot lat="0" lon="0" rev="4800000"/>
+              </a:lightRig>
+            </a:scene3d>
+            <a:sp3d prstMaterial="matte">
+              <a:bevelT w="127000" h="63500"/>
+            </a:sp3d>
+          </p:spPr>
+        </p:pic>
+        <p:sp>
+          <p:nvSpPr>
+            <p:cNvPr id="10" name="TextBox 9">
+              <a:extLst>
+                <a:ext uri="{FF2B5EF4-FFF2-40B4-BE49-F238E27FC236}">
+                  <a16:creationId xmlns:a16="http://schemas.microsoft.com/office/drawing/2014/main" id="{2C371B82-7874-4074-B7D7-8DD2E7D8397E}"/>
+                </a:ext>
+              </a:extLst>
+            </p:cNvPr>
+            <p:cNvSpPr txBox="1"/>
+            <p:nvPr/>
+          </p:nvSpPr>
+          <p:spPr>
+            <a:xfrm>
+              <a:off x="4637788" y="3148428"/>
+              <a:ext cx="704039" cy="461665"/>
+            </a:xfrm>
+            <a:prstGeom prst="rect">
+              <a:avLst/>
+            </a:prstGeom>
+            <a:noFill/>
+          </p:spPr>
+          <p:txBody>
+            <a:bodyPr wrap="none" rtlCol="0">
+              <a:spAutoFit/>
+            </a:bodyPr>
+            <a:lstStyle/>
+            <a:p>
+              <a:r>
+                <a:rPr lang="en-US" sz="2400" dirty="0">
+                  <a:solidFill>
+                    <a:schemeClr val="bg1"/>
+                  </a:solidFill>
+                </a:rPr>
+                <a:t>Dan</a:t>
+              </a:r>
+            </a:p>
+          </p:txBody>
+        </p:sp>
+      </p:grpSp>
+      <p:sp>
+        <p:nvSpPr>
+          <p:cNvPr id="11" name="TextBox 10">
+            <a:extLst>
+              <a:ext uri="{FF2B5EF4-FFF2-40B4-BE49-F238E27FC236}">
+                <a16:creationId xmlns:a16="http://schemas.microsoft.com/office/drawing/2014/main" id="{686F37BF-CA55-45A9-99E4-B789AC72C084}"/>
+              </a:ext>
+            </a:extLst>
+          </p:cNvPr>
+          <p:cNvSpPr txBox="1"/>
+          <p:nvPr/>
+        </p:nvSpPr>
+        <p:spPr>
+          <a:xfrm>
+            <a:off x="1828597" y="3273833"/>
+            <a:ext cx="1300356" cy="461665"/>
+          </a:xfrm>
+          <a:prstGeom prst="rect">
+            <a:avLst/>
+          </a:prstGeom>
+          <a:noFill/>
+        </p:spPr>
+        <p:txBody>
+          <a:bodyPr wrap="none" rtlCol="0">
+            <a:spAutoFit/>
+          </a:bodyPr>
+          <a:lstStyle/>
+          <a:p>
+            <a:r>
+              <a:rPr lang="en-US" sz="2400" dirty="0">
+                <a:solidFill>
+                  <a:schemeClr val="bg1"/>
+                </a:solidFill>
+              </a:rPr>
+              <a:t>Bethany</a:t>
+            </a:r>
+          </a:p>
+        </p:txBody>
+      </p:sp>
+      <p:sp>
+        <p:nvSpPr>
+          <p:cNvPr id="13" name="TextBox 12">
+            <a:extLst>
+              <a:ext uri="{FF2B5EF4-FFF2-40B4-BE49-F238E27FC236}">
+                <a16:creationId xmlns:a16="http://schemas.microsoft.com/office/drawing/2014/main" id="{884AB0CA-20BC-483C-B92A-CF6A33532AD8}"/>
+              </a:ext>
+            </a:extLst>
+          </p:cNvPr>
+          <p:cNvSpPr txBox="1"/>
+          <p:nvPr/>
+        </p:nvSpPr>
+        <p:spPr>
+          <a:xfrm>
+            <a:off x="3000869" y="5385822"/>
+            <a:ext cx="510076" cy="461665"/>
+          </a:xfrm>
+          <a:prstGeom prst="rect">
+            <a:avLst/>
+          </a:prstGeom>
+          <a:noFill/>
+        </p:spPr>
+        <p:txBody>
+          <a:bodyPr wrap="none" rtlCol="0">
+            <a:spAutoFit/>
+          </a:bodyPr>
+          <a:lstStyle/>
+          <a:p>
+            <a:r>
+              <a:rPr lang="en-US" sz="2400" dirty="0">
+                <a:solidFill>
+                  <a:schemeClr val="bg1"/>
+                </a:solidFill>
+              </a:rPr>
+              <a:t>TJ</a:t>
+            </a:r>
+          </a:p>
+        </p:txBody>
+      </p:sp>
+      <p:sp>
+        <p:nvSpPr>
+          <p:cNvPr id="14" name="TextBox 13">
+            <a:extLst>
+              <a:ext uri="{FF2B5EF4-FFF2-40B4-BE49-F238E27FC236}">
+                <a16:creationId xmlns:a16="http://schemas.microsoft.com/office/drawing/2014/main" id="{94310DFB-AE4C-42D2-85F8-7E51F8CBA664}"/>
+              </a:ext>
+            </a:extLst>
+          </p:cNvPr>
+          <p:cNvSpPr txBox="1"/>
+          <p:nvPr/>
+        </p:nvSpPr>
+        <p:spPr>
+          <a:xfrm>
+            <a:off x="7261746" y="5682012"/>
+            <a:ext cx="609462" cy="461665"/>
+          </a:xfrm>
+          <a:prstGeom prst="rect">
+            <a:avLst/>
+          </a:prstGeom>
+          <a:noFill/>
+        </p:spPr>
+        <p:txBody>
+          <a:bodyPr wrap="none" rtlCol="0">
+            <a:spAutoFit/>
+          </a:bodyPr>
+          <a:lstStyle/>
+          <a:p>
+            <a:r>
+              <a:rPr lang="en-US" sz="2400" dirty="0"/>
+              <a:t>Kui</a:t>
+            </a:r>
+          </a:p>
+        </p:txBody>
+      </p:sp>
     </p:spTree>
     <p:extLst>
       <p:ext uri="{BB962C8B-B14F-4D97-AF65-F5344CB8AC3E}">
